--- a/HIPO.pptx
+++ b/HIPO.pptx
@@ -3438,7 +3438,7 @@
                   <a:schemeClr val="tx1"/>
                 </a:solidFill>
               </a:rPr>
-              <a:t>1.0</a:t>
+              <a:t>1</a:t>
             </a:r>
             <a:endParaRPr lang="zh-CN" altLang="en-US" sz="1400">
               <a:solidFill>
@@ -3667,7 +3667,7 @@
                   <a:schemeClr val="tx1"/>
                 </a:solidFill>
               </a:rPr>
-              <a:t>2.0</a:t>
+              <a:t>2</a:t>
             </a:r>
             <a:endParaRPr lang="zh-CN" altLang="en-US" sz="1400">
               <a:solidFill>
@@ -3896,7 +3896,7 @@
                   <a:schemeClr val="tx1"/>
                 </a:solidFill>
               </a:rPr>
-              <a:t>3.0</a:t>
+              <a:t>3</a:t>
             </a:r>
             <a:endParaRPr lang="zh-CN" altLang="en-US" sz="1400">
               <a:solidFill>
